--- a/assets/lectures/cbw-cshl/2019/full/RNASeq_Module1_Lecture.pptx
+++ b/assets/lectures/cbw-cshl/2019/full/RNASeq_Module1_Lecture.pptx
@@ -135,7 +135,18 @@
   </p:defaultTextStyle>
   <p:extLst>
     <p:ext uri="{EFAFB233-063F-42B5-8137-9DF3F51BA10A}">
-      <p15:sldGuideLst xmlns:p15="http://schemas.microsoft.com/office/powerpoint/2012/main" xmlns=""/>
+      <p15:sldGuideLst xmlns:p15="http://schemas.microsoft.com/office/powerpoint/2012/main">
+        <p15:guide id="1" orient="horz" pos="2160">
+          <p15:clr>
+            <a:srgbClr val="A4A3A4"/>
+          </p15:clr>
+        </p15:guide>
+        <p15:guide id="2" pos="3840">
+          <p15:clr>
+            <a:srgbClr val="A4A3A4"/>
+          </p15:clr>
+        </p15:guide>
+      </p15:sldGuideLst>
     </p:ext>
   </p:extLst>
 </p:presentation>
@@ -529,14 +540,14 @@
           </a:ln>
           <a:extLst>
             <a:ext uri="{909E8E84-426E-40dd-AFC4-6F175D3DCCD1}">
-              <a14:hiddenFill xmlns:a14="http://schemas.microsoft.com/office/drawing/2010/main">
+              <a14:hiddenFill xmlns:a14="http://schemas.microsoft.com/office/drawing/2010/main" xmlns="">
                 <a:solidFill>
                   <a:srgbClr val="FFFFFF"/>
                 </a:solidFill>
               </a14:hiddenFill>
             </a:ext>
             <a:ext uri="{FAA26D3D-D897-4be2-8F04-BA451C77F1D7}">
-              <ma14:placeholderFlag xmlns:ma14="http://schemas.microsoft.com/office/mac/drawingml/2011/main" val="1"/>
+              <ma14:placeholderFlag xmlns:ma14="http://schemas.microsoft.com/office/mac/drawingml/2011/main" xmlns="" val="1"/>
             </a:ext>
           </a:extLst>
         </p:spPr>
@@ -555,14 +566,14 @@
           <a:noFill/>
           <a:extLst>
             <a:ext uri="{909E8E84-426E-40dd-AFC4-6F175D3DCCD1}">
-              <a14:hiddenFill xmlns:a14="http://schemas.microsoft.com/office/drawing/2010/main">
+              <a14:hiddenFill xmlns:a14="http://schemas.microsoft.com/office/drawing/2010/main" xmlns="">
                 <a:solidFill>
                   <a:srgbClr val="FFFFFF"/>
                 </a:solidFill>
               </a14:hiddenFill>
             </a:ext>
             <a:ext uri="{91240B29-F687-4f45-9708-019B960494DF}">
-              <a14:hiddenLine xmlns:a14="http://schemas.microsoft.com/office/drawing/2010/main" w="9525">
+              <a14:hiddenLine xmlns:a14="http://schemas.microsoft.com/office/drawing/2010/main" xmlns="" w="9525">
                 <a:solidFill>
                   <a:srgbClr val="000000"/>
                 </a:solidFill>
@@ -572,7 +583,7 @@
               </a14:hiddenLine>
             </a:ext>
             <a:ext uri="{FAA26D3D-D897-4be2-8F04-BA451C77F1D7}">
-              <ma14:placeholderFlag xmlns:ma14="http://schemas.microsoft.com/office/mac/drawingml/2011/main" val="1"/>
+              <ma14:placeholderFlag xmlns:ma14="http://schemas.microsoft.com/office/mac/drawingml/2011/main" xmlns="" val="1"/>
             </a:ext>
           </a:extLst>
         </p:spPr>
@@ -606,14 +617,14 @@
           <a:noFill/>
           <a:extLst>
             <a:ext uri="{909E8E84-426E-40dd-AFC4-6F175D3DCCD1}">
-              <a14:hiddenFill xmlns:a14="http://schemas.microsoft.com/office/drawing/2010/main">
+              <a14:hiddenFill xmlns:a14="http://schemas.microsoft.com/office/drawing/2010/main" xmlns="">
                 <a:solidFill>
                   <a:srgbClr val="FFFFFF"/>
                 </a:solidFill>
               </a14:hiddenFill>
             </a:ext>
             <a:ext uri="{91240B29-F687-4f45-9708-019B960494DF}">
-              <a14:hiddenLine xmlns:a14="http://schemas.microsoft.com/office/drawing/2010/main" w="9525">
+              <a14:hiddenLine xmlns:a14="http://schemas.microsoft.com/office/drawing/2010/main" xmlns="" w="9525">
                 <a:solidFill>
                   <a:srgbClr val="000000"/>
                 </a:solidFill>
@@ -793,14 +804,14 @@
           <a:noFill/>
           <a:extLst>
             <a:ext uri="{909E8E84-426E-40dd-AFC4-6F175D3DCCD1}">
-              <a14:hiddenFill xmlns:a14="http://schemas.microsoft.com/office/drawing/2010/main">
+              <a14:hiddenFill xmlns:a14="http://schemas.microsoft.com/office/drawing/2010/main" xmlns="">
                 <a:solidFill>
                   <a:srgbClr val="FFFFFF"/>
                 </a:solidFill>
               </a14:hiddenFill>
             </a:ext>
             <a:ext uri="{91240B29-F687-4f45-9708-019B960494DF}">
-              <a14:hiddenLine xmlns:a14="http://schemas.microsoft.com/office/drawing/2010/main" w="9525">
+              <a14:hiddenLine xmlns:a14="http://schemas.microsoft.com/office/drawing/2010/main" xmlns="" w="9525">
                 <a:solidFill>
                   <a:srgbClr val="000000"/>
                 </a:solidFill>
@@ -960,7 +971,7 @@
           </a:ln>
           <a:extLst>
             <a:ext uri="{FAA26D3D-D897-4be2-8F04-BA451C77F1D7}">
-              <ma14:placeholderFlag xmlns:ma14="http://schemas.microsoft.com/office/mac/drawingml/2011/main" val="1"/>
+              <ma14:placeholderFlag xmlns:ma14="http://schemas.microsoft.com/office/mac/drawingml/2011/main" xmlns="" val="1"/>
             </a:ext>
           </a:extLst>
         </p:spPr>
@@ -989,7 +1000,7 @@
           </a:ln>
           <a:extLst>
             <a:ext uri="{FAA26D3D-D897-4be2-8F04-BA451C77F1D7}">
-              <ma14:placeholderFlag xmlns:ma14="http://schemas.microsoft.com/office/mac/drawingml/2011/main" val="1"/>
+              <ma14:placeholderFlag xmlns:ma14="http://schemas.microsoft.com/office/mac/drawingml/2011/main" xmlns="" val="1"/>
             </a:ext>
           </a:extLst>
         </p:spPr>
@@ -1054,14 +1065,14 @@
           <a:noFill/>
           <a:extLst>
             <a:ext uri="{909E8E84-426E-40dd-AFC4-6F175D3DCCD1}">
-              <a14:hiddenFill xmlns:a14="http://schemas.microsoft.com/office/drawing/2010/main">
+              <a14:hiddenFill xmlns:a14="http://schemas.microsoft.com/office/drawing/2010/main" xmlns="">
                 <a:solidFill>
                   <a:srgbClr val="FFFFFF"/>
                 </a:solidFill>
               </a14:hiddenFill>
             </a:ext>
             <a:ext uri="{91240B29-F687-4f45-9708-019B960494DF}">
-              <a14:hiddenLine xmlns:a14="http://schemas.microsoft.com/office/drawing/2010/main" w="9525">
+              <a14:hiddenLine xmlns:a14="http://schemas.microsoft.com/office/drawing/2010/main" xmlns="" w="9525">
                 <a:solidFill>
                   <a:srgbClr val="000000"/>
                 </a:solidFill>
@@ -1221,7 +1232,7 @@
           </a:ln>
           <a:extLst>
             <a:ext uri="{FAA26D3D-D897-4be2-8F04-BA451C77F1D7}">
-              <ma14:placeholderFlag xmlns:ma14="http://schemas.microsoft.com/office/mac/drawingml/2011/main" val="1"/>
+              <ma14:placeholderFlag xmlns:ma14="http://schemas.microsoft.com/office/mac/drawingml/2011/main" xmlns="" val="1"/>
             </a:ext>
           </a:extLst>
         </p:spPr>
@@ -1250,7 +1261,7 @@
           </a:ln>
           <a:extLst>
             <a:ext uri="{FAA26D3D-D897-4be2-8F04-BA451C77F1D7}">
-              <ma14:placeholderFlag xmlns:ma14="http://schemas.microsoft.com/office/mac/drawingml/2011/main" val="1"/>
+              <ma14:placeholderFlag xmlns:ma14="http://schemas.microsoft.com/office/mac/drawingml/2011/main" xmlns="" val="1"/>
             </a:ext>
           </a:extLst>
         </p:spPr>
@@ -1315,14 +1326,14 @@
           <a:noFill/>
           <a:extLst>
             <a:ext uri="{909E8E84-426E-40dd-AFC4-6F175D3DCCD1}">
-              <a14:hiddenFill xmlns:a14="http://schemas.microsoft.com/office/drawing/2010/main">
+              <a14:hiddenFill xmlns:a14="http://schemas.microsoft.com/office/drawing/2010/main" xmlns="">
                 <a:solidFill>
                   <a:srgbClr val="FFFFFF"/>
                 </a:solidFill>
               </a14:hiddenFill>
             </a:ext>
             <a:ext uri="{91240B29-F687-4f45-9708-019B960494DF}">
-              <a14:hiddenLine xmlns:a14="http://schemas.microsoft.com/office/drawing/2010/main" w="9525">
+              <a14:hiddenLine xmlns:a14="http://schemas.microsoft.com/office/drawing/2010/main" xmlns="" w="9525">
                 <a:solidFill>
                   <a:srgbClr val="000000"/>
                 </a:solidFill>
@@ -1482,7 +1493,7 @@
           </a:ln>
           <a:extLst>
             <a:ext uri="{FAA26D3D-D897-4be2-8F04-BA451C77F1D7}">
-              <ma14:placeholderFlag xmlns:ma14="http://schemas.microsoft.com/office/mac/drawingml/2011/main" val="1"/>
+              <ma14:placeholderFlag xmlns:ma14="http://schemas.microsoft.com/office/mac/drawingml/2011/main" xmlns="" val="1"/>
             </a:ext>
           </a:extLst>
         </p:spPr>
@@ -1511,7 +1522,7 @@
           </a:ln>
           <a:extLst>
             <a:ext uri="{FAA26D3D-D897-4be2-8F04-BA451C77F1D7}">
-              <ma14:placeholderFlag xmlns:ma14="http://schemas.microsoft.com/office/mac/drawingml/2011/main" val="1"/>
+              <ma14:placeholderFlag xmlns:ma14="http://schemas.microsoft.com/office/mac/drawingml/2011/main" xmlns="" val="1"/>
             </a:ext>
           </a:extLst>
         </p:spPr>
@@ -1576,14 +1587,14 @@
           <a:noFill/>
           <a:extLst>
             <a:ext uri="{909E8E84-426E-40dd-AFC4-6F175D3DCCD1}">
-              <a14:hiddenFill xmlns:a14="http://schemas.microsoft.com/office/drawing/2010/main">
+              <a14:hiddenFill xmlns:a14="http://schemas.microsoft.com/office/drawing/2010/main" xmlns="">
                 <a:solidFill>
                   <a:srgbClr val="FFFFFF"/>
                 </a:solidFill>
               </a14:hiddenFill>
             </a:ext>
             <a:ext uri="{91240B29-F687-4f45-9708-019B960494DF}">
-              <a14:hiddenLine xmlns:a14="http://schemas.microsoft.com/office/drawing/2010/main" w="9525">
+              <a14:hiddenLine xmlns:a14="http://schemas.microsoft.com/office/drawing/2010/main" xmlns="" w="9525">
                 <a:solidFill>
                   <a:srgbClr val="000000"/>
                 </a:solidFill>
@@ -1743,7 +1754,7 @@
           </a:ln>
           <a:extLst>
             <a:ext uri="{FAA26D3D-D897-4be2-8F04-BA451C77F1D7}">
-              <ma14:placeholderFlag xmlns:ma14="http://schemas.microsoft.com/office/mac/drawingml/2011/main" val="1"/>
+              <ma14:placeholderFlag xmlns:ma14="http://schemas.microsoft.com/office/mac/drawingml/2011/main" xmlns="" val="1"/>
             </a:ext>
           </a:extLst>
         </p:spPr>
@@ -1772,7 +1783,7 @@
           </a:ln>
           <a:extLst>
             <a:ext uri="{FAA26D3D-D897-4be2-8F04-BA451C77F1D7}">
-              <ma14:placeholderFlag xmlns:ma14="http://schemas.microsoft.com/office/mac/drawingml/2011/main" val="1"/>
+              <ma14:placeholderFlag xmlns:ma14="http://schemas.microsoft.com/office/mac/drawingml/2011/main" xmlns="" val="1"/>
             </a:ext>
           </a:extLst>
         </p:spPr>
@@ -1837,14 +1848,14 @@
           <a:noFill/>
           <a:extLst>
             <a:ext uri="{909E8E84-426E-40dd-AFC4-6F175D3DCCD1}">
-              <a14:hiddenFill xmlns:a14="http://schemas.microsoft.com/office/drawing/2010/main">
+              <a14:hiddenFill xmlns:a14="http://schemas.microsoft.com/office/drawing/2010/main" xmlns="">
                 <a:solidFill>
                   <a:srgbClr val="FFFFFF"/>
                 </a:solidFill>
               </a14:hiddenFill>
             </a:ext>
             <a:ext uri="{91240B29-F687-4f45-9708-019B960494DF}">
-              <a14:hiddenLine xmlns:a14="http://schemas.microsoft.com/office/drawing/2010/main" w="9525">
+              <a14:hiddenLine xmlns:a14="http://schemas.microsoft.com/office/drawing/2010/main" xmlns="" w="9525">
                 <a:solidFill>
                   <a:srgbClr val="000000"/>
                 </a:solidFill>
@@ -2004,7 +2015,7 @@
           </a:ln>
           <a:extLst>
             <a:ext uri="{FAA26D3D-D897-4be2-8F04-BA451C77F1D7}">
-              <ma14:placeholderFlag xmlns:ma14="http://schemas.microsoft.com/office/mac/drawingml/2011/main" val="1"/>
+              <ma14:placeholderFlag xmlns:ma14="http://schemas.microsoft.com/office/mac/drawingml/2011/main" xmlns="" val="1"/>
             </a:ext>
           </a:extLst>
         </p:spPr>
@@ -2033,7 +2044,7 @@
           </a:ln>
           <a:extLst>
             <a:ext uri="{FAA26D3D-D897-4be2-8F04-BA451C77F1D7}">
-              <ma14:placeholderFlag xmlns:ma14="http://schemas.microsoft.com/office/mac/drawingml/2011/main" val="1"/>
+              <ma14:placeholderFlag xmlns:ma14="http://schemas.microsoft.com/office/mac/drawingml/2011/main" xmlns="" val="1"/>
             </a:ext>
           </a:extLst>
         </p:spPr>
@@ -2182,14 +2193,14 @@
           <a:noFill/>
           <a:extLst>
             <a:ext uri="{909E8E84-426E-40dd-AFC4-6F175D3DCCD1}">
-              <a14:hiddenFill xmlns:a14="http://schemas.microsoft.com/office/drawing/2010/main">
+              <a14:hiddenFill xmlns:a14="http://schemas.microsoft.com/office/drawing/2010/main" xmlns="">
                 <a:solidFill>
                   <a:srgbClr val="FFFFFF"/>
                 </a:solidFill>
               </a14:hiddenFill>
             </a:ext>
             <a:ext uri="{91240B29-F687-4f45-9708-019B960494DF}">
-              <a14:hiddenLine xmlns:a14="http://schemas.microsoft.com/office/drawing/2010/main" w="9525">
+              <a14:hiddenLine xmlns:a14="http://schemas.microsoft.com/office/drawing/2010/main" xmlns="" w="9525">
                 <a:solidFill>
                   <a:srgbClr val="000000"/>
                 </a:solidFill>
@@ -2349,7 +2360,7 @@
           </a:ln>
           <a:extLst>
             <a:ext uri="{FAA26D3D-D897-4be2-8F04-BA451C77F1D7}">
-              <ma14:placeholderFlag xmlns:ma14="http://schemas.microsoft.com/office/mac/drawingml/2011/main" val="1"/>
+              <ma14:placeholderFlag xmlns:ma14="http://schemas.microsoft.com/office/mac/drawingml/2011/main" xmlns="" val="1"/>
             </a:ext>
           </a:extLst>
         </p:spPr>
@@ -2378,7 +2389,7 @@
           </a:ln>
           <a:extLst>
             <a:ext uri="{FAA26D3D-D897-4be2-8F04-BA451C77F1D7}">
-              <ma14:placeholderFlag xmlns:ma14="http://schemas.microsoft.com/office/mac/drawingml/2011/main" val="1"/>
+              <ma14:placeholderFlag xmlns:ma14="http://schemas.microsoft.com/office/mac/drawingml/2011/main" xmlns="" val="1"/>
             </a:ext>
           </a:extLst>
         </p:spPr>
@@ -2443,14 +2454,14 @@
           <a:noFill/>
           <a:extLst>
             <a:ext uri="{909E8E84-426E-40dd-AFC4-6F175D3DCCD1}">
-              <a14:hiddenFill xmlns:a14="http://schemas.microsoft.com/office/drawing/2010/main">
+              <a14:hiddenFill xmlns:a14="http://schemas.microsoft.com/office/drawing/2010/main" xmlns="">
                 <a:solidFill>
                   <a:srgbClr val="FFFFFF"/>
                 </a:solidFill>
               </a14:hiddenFill>
             </a:ext>
             <a:ext uri="{91240B29-F687-4f45-9708-019B960494DF}">
-              <a14:hiddenLine xmlns:a14="http://schemas.microsoft.com/office/drawing/2010/main" w="9525">
+              <a14:hiddenLine xmlns:a14="http://schemas.microsoft.com/office/drawing/2010/main" xmlns="" w="9525">
                 <a:solidFill>
                   <a:srgbClr val="000000"/>
                 </a:solidFill>
@@ -2610,7 +2621,7 @@
           </a:ln>
           <a:extLst>
             <a:ext uri="{FAA26D3D-D897-4be2-8F04-BA451C77F1D7}">
-              <ma14:placeholderFlag xmlns:ma14="http://schemas.microsoft.com/office/mac/drawingml/2011/main" val="1"/>
+              <ma14:placeholderFlag xmlns:ma14="http://schemas.microsoft.com/office/mac/drawingml/2011/main" xmlns="" val="1"/>
             </a:ext>
           </a:extLst>
         </p:spPr>
@@ -2639,7 +2650,7 @@
           </a:ln>
           <a:extLst>
             <a:ext uri="{FAA26D3D-D897-4be2-8F04-BA451C77F1D7}">
-              <ma14:placeholderFlag xmlns:ma14="http://schemas.microsoft.com/office/mac/drawingml/2011/main" val="1"/>
+              <ma14:placeholderFlag xmlns:ma14="http://schemas.microsoft.com/office/mac/drawingml/2011/main" xmlns="" val="1"/>
             </a:ext>
           </a:extLst>
         </p:spPr>
@@ -2811,14 +2822,14 @@
           <a:noFill/>
           <a:extLst>
             <a:ext uri="{909E8E84-426E-40dd-AFC4-6F175D3DCCD1}">
-              <a14:hiddenFill xmlns:a14="http://schemas.microsoft.com/office/drawing/2010/main">
+              <a14:hiddenFill xmlns:a14="http://schemas.microsoft.com/office/drawing/2010/main" xmlns="">
                 <a:solidFill>
                   <a:srgbClr val="FFFFFF"/>
                 </a:solidFill>
               </a14:hiddenFill>
             </a:ext>
             <a:ext uri="{91240B29-F687-4f45-9708-019B960494DF}">
-              <a14:hiddenLine xmlns:a14="http://schemas.microsoft.com/office/drawing/2010/main" w="9525">
+              <a14:hiddenLine xmlns:a14="http://schemas.microsoft.com/office/drawing/2010/main" xmlns="" w="9525">
                 <a:solidFill>
                   <a:srgbClr val="000000"/>
                 </a:solidFill>
@@ -2978,7 +2989,7 @@
           </a:ln>
           <a:extLst>
             <a:ext uri="{FAA26D3D-D897-4be2-8F04-BA451C77F1D7}">
-              <ma14:placeholderFlag xmlns:ma14="http://schemas.microsoft.com/office/mac/drawingml/2011/main" val="1"/>
+              <ma14:placeholderFlag xmlns:ma14="http://schemas.microsoft.com/office/mac/drawingml/2011/main" xmlns="" val="1"/>
             </a:ext>
           </a:extLst>
         </p:spPr>
@@ -3007,7 +3018,7 @@
           </a:ln>
           <a:extLst>
             <a:ext uri="{FAA26D3D-D897-4be2-8F04-BA451C77F1D7}">
-              <ma14:placeholderFlag xmlns:ma14="http://schemas.microsoft.com/office/mac/drawingml/2011/main" val="1"/>
+              <ma14:placeholderFlag xmlns:ma14="http://schemas.microsoft.com/office/mac/drawingml/2011/main" xmlns="" val="1"/>
             </a:ext>
           </a:extLst>
         </p:spPr>
@@ -3072,14 +3083,14 @@
           <a:noFill/>
           <a:extLst>
             <a:ext uri="{909E8E84-426E-40dd-AFC4-6F175D3DCCD1}">
-              <a14:hiddenFill xmlns:a14="http://schemas.microsoft.com/office/drawing/2010/main">
+              <a14:hiddenFill xmlns:a14="http://schemas.microsoft.com/office/drawing/2010/main" xmlns="">
                 <a:solidFill>
                   <a:srgbClr val="FFFFFF"/>
                 </a:solidFill>
               </a14:hiddenFill>
             </a:ext>
             <a:ext uri="{91240B29-F687-4f45-9708-019B960494DF}">
-              <a14:hiddenLine xmlns:a14="http://schemas.microsoft.com/office/drawing/2010/main" w="9525">
+              <a14:hiddenLine xmlns:a14="http://schemas.microsoft.com/office/drawing/2010/main" xmlns="" w="9525">
                 <a:solidFill>
                   <a:srgbClr val="000000"/>
                 </a:solidFill>
@@ -3239,7 +3250,7 @@
           </a:ln>
           <a:extLst>
             <a:ext uri="{FAA26D3D-D897-4be2-8F04-BA451C77F1D7}">
-              <ma14:placeholderFlag xmlns:ma14="http://schemas.microsoft.com/office/mac/drawingml/2011/main" val="1"/>
+              <ma14:placeholderFlag xmlns:ma14="http://schemas.microsoft.com/office/mac/drawingml/2011/main" xmlns="" val="1"/>
             </a:ext>
           </a:extLst>
         </p:spPr>
@@ -3268,7 +3279,7 @@
           </a:ln>
           <a:extLst>
             <a:ext uri="{FAA26D3D-D897-4be2-8F04-BA451C77F1D7}">
-              <ma14:placeholderFlag xmlns:ma14="http://schemas.microsoft.com/office/mac/drawingml/2011/main" val="1"/>
+              <ma14:placeholderFlag xmlns:ma14="http://schemas.microsoft.com/office/mac/drawingml/2011/main" xmlns="" val="1"/>
             </a:ext>
           </a:extLst>
         </p:spPr>
@@ -3333,14 +3344,14 @@
           <a:noFill/>
           <a:extLst>
             <a:ext uri="{909E8E84-426E-40dd-AFC4-6F175D3DCCD1}">
-              <a14:hiddenFill xmlns:a14="http://schemas.microsoft.com/office/drawing/2010/main">
+              <a14:hiddenFill xmlns:a14="http://schemas.microsoft.com/office/drawing/2010/main" xmlns="">
                 <a:solidFill>
                   <a:srgbClr val="FFFFFF"/>
                 </a:solidFill>
               </a14:hiddenFill>
             </a:ext>
             <a:ext uri="{91240B29-F687-4f45-9708-019B960494DF}">
-              <a14:hiddenLine xmlns:a14="http://schemas.microsoft.com/office/drawing/2010/main" w="9525">
+              <a14:hiddenLine xmlns:a14="http://schemas.microsoft.com/office/drawing/2010/main" xmlns="" w="9525">
                 <a:solidFill>
                   <a:srgbClr val="000000"/>
                 </a:solidFill>
@@ -3500,7 +3511,7 @@
           </a:ln>
           <a:extLst>
             <a:ext uri="{FAA26D3D-D897-4be2-8F04-BA451C77F1D7}">
-              <ma14:placeholderFlag xmlns:ma14="http://schemas.microsoft.com/office/mac/drawingml/2011/main" val="1"/>
+              <ma14:placeholderFlag xmlns:ma14="http://schemas.microsoft.com/office/mac/drawingml/2011/main" xmlns="" val="1"/>
             </a:ext>
           </a:extLst>
         </p:spPr>
@@ -3529,7 +3540,7 @@
           </a:ln>
           <a:extLst>
             <a:ext uri="{FAA26D3D-D897-4be2-8F04-BA451C77F1D7}">
-              <ma14:placeholderFlag xmlns:ma14="http://schemas.microsoft.com/office/mac/drawingml/2011/main" val="1"/>
+              <ma14:placeholderFlag xmlns:ma14="http://schemas.microsoft.com/office/mac/drawingml/2011/main" xmlns="" val="1"/>
             </a:ext>
           </a:extLst>
         </p:spPr>
@@ -4442,7 +4453,7 @@
           <p:cNvPr id="2" name="Title 1">
             <a:extLst>
               <a:ext uri="{FF2B5EF4-FFF2-40B4-BE49-F238E27FC236}">
-                <a16:creationId xmlns:a16="http://schemas.microsoft.com/office/drawing/2014/main" xmlns="" id="{86545848-7DFC-6C40-B1F8-16CDFB28A4BC}"/>
+                <a16:creationId xmlns:a16="http://schemas.microsoft.com/office/drawing/2014/main" id="{86545848-7DFC-6C40-B1F8-16CDFB28A4BC}"/>
               </a:ext>
             </a:extLst>
           </p:cNvPr>
@@ -4479,7 +4490,7 @@
           <p:cNvPr id="3" name="Subtitle 2">
             <a:extLst>
               <a:ext uri="{FF2B5EF4-FFF2-40B4-BE49-F238E27FC236}">
-                <a16:creationId xmlns:a16="http://schemas.microsoft.com/office/drawing/2014/main" xmlns="" id="{D80C4B80-37CE-B14F-B889-FE8A6C8F2E7D}"/>
+                <a16:creationId xmlns:a16="http://schemas.microsoft.com/office/drawing/2014/main" id="{D80C4B80-37CE-B14F-B889-FE8A6C8F2E7D}"/>
               </a:ext>
             </a:extLst>
           </p:cNvPr>
@@ -4549,7 +4560,7 @@
           <p:cNvPr id="6" name="Slide Number Placeholder 5">
             <a:extLst>
               <a:ext uri="{FF2B5EF4-FFF2-40B4-BE49-F238E27FC236}">
-                <a16:creationId xmlns:a16="http://schemas.microsoft.com/office/drawing/2014/main" xmlns="" id="{D7256FAD-87EC-594B-B262-2B748B57FD14}"/>
+                <a16:creationId xmlns:a16="http://schemas.microsoft.com/office/drawing/2014/main" id="{D7256FAD-87EC-594B-B262-2B748B57FD14}"/>
               </a:ext>
             </a:extLst>
           </p:cNvPr>
@@ -4578,7 +4589,7 @@
           <p:cNvPr id="7" name="Rectangle 6">
             <a:extLst>
               <a:ext uri="{FF2B5EF4-FFF2-40B4-BE49-F238E27FC236}">
-                <a16:creationId xmlns:a16="http://schemas.microsoft.com/office/drawing/2014/main" xmlns="" id="{715D8FD2-7081-5447-BFEF-BD64EF32B157}"/>
+                <a16:creationId xmlns:a16="http://schemas.microsoft.com/office/drawing/2014/main" id="{715D8FD2-7081-5447-BFEF-BD64EF32B157}"/>
               </a:ext>
             </a:extLst>
           </p:cNvPr>
@@ -4638,7 +4649,7 @@
           <p:cNvPr id="8" name="Picture 7" descr="bioinformatics.ca-logo-white-text.png">
             <a:extLst>
               <a:ext uri="{FF2B5EF4-FFF2-40B4-BE49-F238E27FC236}">
-                <a16:creationId xmlns:a16="http://schemas.microsoft.com/office/drawing/2014/main" xmlns="" id="{9874B523-0CD5-BC4D-B685-3BCCBF624BF4}"/>
+                <a16:creationId xmlns:a16="http://schemas.microsoft.com/office/drawing/2014/main" id="{9874B523-0CD5-BC4D-B685-3BCCBF624BF4}"/>
               </a:ext>
             </a:extLst>
           </p:cNvPr>
@@ -4674,14 +4685,14 @@
           </a:ln>
           <a:extLst>
             <a:ext uri="{909E8E84-426E-40dd-AFC4-6F175D3DCCD1}">
-              <a14:hiddenFill xmlns:a14="http://schemas.microsoft.com/office/drawing/2010/main">
+              <a14:hiddenFill xmlns:a14="http://schemas.microsoft.com/office/drawing/2010/main" xmlns="">
                 <a:solidFill>
                   <a:srgbClr val="FFFFFF"/>
                 </a:solidFill>
               </a14:hiddenFill>
             </a:ext>
             <a:ext uri="{91240B29-F687-4f45-9708-019B960494DF}">
-              <a14:hiddenLine xmlns:a14="http://schemas.microsoft.com/office/drawing/2010/main" w="9525">
+              <a14:hiddenLine xmlns:a14="http://schemas.microsoft.com/office/drawing/2010/main" xmlns="" w="9525">
                 <a:solidFill>
                   <a:srgbClr val="000000"/>
                 </a:solidFill>
@@ -4728,7 +4739,7 @@
           <p:cNvPr id="2" name="Title 1">
             <a:extLst>
               <a:ext uri="{FF2B5EF4-FFF2-40B4-BE49-F238E27FC236}">
-                <a16:creationId xmlns:a16="http://schemas.microsoft.com/office/drawing/2014/main" xmlns="" id="{1132A315-2FF6-0449-93D6-96342D9860B5}"/>
+                <a16:creationId xmlns:a16="http://schemas.microsoft.com/office/drawing/2014/main" id="{1132A315-2FF6-0449-93D6-96342D9860B5}"/>
               </a:ext>
             </a:extLst>
           </p:cNvPr>
@@ -4756,7 +4767,7 @@
           <p:cNvPr id="3" name="Vertical Text Placeholder 2">
             <a:extLst>
               <a:ext uri="{FF2B5EF4-FFF2-40B4-BE49-F238E27FC236}">
-                <a16:creationId xmlns:a16="http://schemas.microsoft.com/office/drawing/2014/main" xmlns="" id="{1A5E6CFA-28AB-B748-AE92-1FF1FB3DE9E6}"/>
+                <a16:creationId xmlns:a16="http://schemas.microsoft.com/office/drawing/2014/main" id="{1A5E6CFA-28AB-B748-AE92-1FF1FB3DE9E6}"/>
               </a:ext>
             </a:extLst>
           </p:cNvPr>
@@ -4813,7 +4824,7 @@
           <p:cNvPr id="6" name="Slide Number Placeholder 5">
             <a:extLst>
               <a:ext uri="{FF2B5EF4-FFF2-40B4-BE49-F238E27FC236}">
-                <a16:creationId xmlns:a16="http://schemas.microsoft.com/office/drawing/2014/main" xmlns="" id="{CE0222C1-21B6-E14F-9F34-4E0C4221C434}"/>
+                <a16:creationId xmlns:a16="http://schemas.microsoft.com/office/drawing/2014/main" id="{CE0222C1-21B6-E14F-9F34-4E0C4221C434}"/>
               </a:ext>
             </a:extLst>
           </p:cNvPr>
@@ -4872,7 +4883,7 @@
           <p:cNvPr id="2" name="Vertical Title 1">
             <a:extLst>
               <a:ext uri="{FF2B5EF4-FFF2-40B4-BE49-F238E27FC236}">
-                <a16:creationId xmlns:a16="http://schemas.microsoft.com/office/drawing/2014/main" xmlns="" id="{75329849-B648-BF40-BC0C-E39A8FDA9F0C}"/>
+                <a16:creationId xmlns:a16="http://schemas.microsoft.com/office/drawing/2014/main" id="{75329849-B648-BF40-BC0C-E39A8FDA9F0C}"/>
               </a:ext>
             </a:extLst>
           </p:cNvPr>
@@ -4905,7 +4916,7 @@
           <p:cNvPr id="3" name="Vertical Text Placeholder 2">
             <a:extLst>
               <a:ext uri="{FF2B5EF4-FFF2-40B4-BE49-F238E27FC236}">
-                <a16:creationId xmlns:a16="http://schemas.microsoft.com/office/drawing/2014/main" xmlns="" id="{8041A42D-2964-F94E-ABD6-AF0DA39EEF42}"/>
+                <a16:creationId xmlns:a16="http://schemas.microsoft.com/office/drawing/2014/main" id="{8041A42D-2964-F94E-ABD6-AF0DA39EEF42}"/>
               </a:ext>
             </a:extLst>
           </p:cNvPr>
@@ -4967,7 +4978,7 @@
           <p:cNvPr id="6" name="Slide Number Placeholder 5">
             <a:extLst>
               <a:ext uri="{FF2B5EF4-FFF2-40B4-BE49-F238E27FC236}">
-                <a16:creationId xmlns:a16="http://schemas.microsoft.com/office/drawing/2014/main" xmlns="" id="{C4C2FCA7-7A48-5E4F-BC6A-8A3BDBEAC3C1}"/>
+                <a16:creationId xmlns:a16="http://schemas.microsoft.com/office/drawing/2014/main" id="{C4C2FCA7-7A48-5E4F-BC6A-8A3BDBEAC3C1}"/>
               </a:ext>
             </a:extLst>
           </p:cNvPr>
@@ -5026,7 +5037,7 @@
           <p:cNvPr id="2" name="Title 1">
             <a:extLst>
               <a:ext uri="{FF2B5EF4-FFF2-40B4-BE49-F238E27FC236}">
-                <a16:creationId xmlns:a16="http://schemas.microsoft.com/office/drawing/2014/main" xmlns="" id="{26204983-FF57-3A4F-A50C-F9933F0EF3B0}"/>
+                <a16:creationId xmlns:a16="http://schemas.microsoft.com/office/drawing/2014/main" id="{26204983-FF57-3A4F-A50C-F9933F0EF3B0}"/>
               </a:ext>
             </a:extLst>
           </p:cNvPr>
@@ -5054,7 +5065,7 @@
           <p:cNvPr id="3" name="Content Placeholder 2">
             <a:extLst>
               <a:ext uri="{FF2B5EF4-FFF2-40B4-BE49-F238E27FC236}">
-                <a16:creationId xmlns:a16="http://schemas.microsoft.com/office/drawing/2014/main" xmlns="" id="{E8B265CB-057E-5147-B720-C8DDCC860D47}"/>
+                <a16:creationId xmlns:a16="http://schemas.microsoft.com/office/drawing/2014/main" id="{E8B265CB-057E-5147-B720-C8DDCC860D47}"/>
               </a:ext>
             </a:extLst>
           </p:cNvPr>
@@ -5111,7 +5122,7 @@
           <p:cNvPr id="6" name="Slide Number Placeholder 5">
             <a:extLst>
               <a:ext uri="{FF2B5EF4-FFF2-40B4-BE49-F238E27FC236}">
-                <a16:creationId xmlns:a16="http://schemas.microsoft.com/office/drawing/2014/main" xmlns="" id="{BBA7E5F7-C396-4941-BBC4-7BEAF927C071}"/>
+                <a16:creationId xmlns:a16="http://schemas.microsoft.com/office/drawing/2014/main" id="{BBA7E5F7-C396-4941-BBC4-7BEAF927C071}"/>
               </a:ext>
             </a:extLst>
           </p:cNvPr>
@@ -5170,7 +5181,7 @@
           <p:cNvPr id="2" name="Title 1">
             <a:extLst>
               <a:ext uri="{FF2B5EF4-FFF2-40B4-BE49-F238E27FC236}">
-                <a16:creationId xmlns:a16="http://schemas.microsoft.com/office/drawing/2014/main" xmlns="" id="{A7D0A621-739C-C746-8F29-9D6CFEEA4FAE}"/>
+                <a16:creationId xmlns:a16="http://schemas.microsoft.com/office/drawing/2014/main" id="{A7D0A621-739C-C746-8F29-9D6CFEEA4FAE}"/>
               </a:ext>
             </a:extLst>
           </p:cNvPr>
@@ -5207,7 +5218,7 @@
           <p:cNvPr id="3" name="Text Placeholder 2">
             <a:extLst>
               <a:ext uri="{FF2B5EF4-FFF2-40B4-BE49-F238E27FC236}">
-                <a16:creationId xmlns:a16="http://schemas.microsoft.com/office/drawing/2014/main" xmlns="" id="{34704B73-4058-7C40-98C2-4104D91876C2}"/>
+                <a16:creationId xmlns:a16="http://schemas.microsoft.com/office/drawing/2014/main" id="{34704B73-4058-7C40-98C2-4104D91876C2}"/>
               </a:ext>
             </a:extLst>
           </p:cNvPr>
@@ -5332,7 +5343,7 @@
           <p:cNvPr id="6" name="Slide Number Placeholder 5">
             <a:extLst>
               <a:ext uri="{FF2B5EF4-FFF2-40B4-BE49-F238E27FC236}">
-                <a16:creationId xmlns:a16="http://schemas.microsoft.com/office/drawing/2014/main" xmlns="" id="{E5EEE93E-C8A1-354A-AF1E-19A5283E305A}"/>
+                <a16:creationId xmlns:a16="http://schemas.microsoft.com/office/drawing/2014/main" id="{E5EEE93E-C8A1-354A-AF1E-19A5283E305A}"/>
               </a:ext>
             </a:extLst>
           </p:cNvPr>
@@ -5391,7 +5402,7 @@
           <p:cNvPr id="2" name="Title 1">
             <a:extLst>
               <a:ext uri="{FF2B5EF4-FFF2-40B4-BE49-F238E27FC236}">
-                <a16:creationId xmlns:a16="http://schemas.microsoft.com/office/drawing/2014/main" xmlns="" id="{70ACA464-1AAB-3D41-837C-83C938183D29}"/>
+                <a16:creationId xmlns:a16="http://schemas.microsoft.com/office/drawing/2014/main" id="{70ACA464-1AAB-3D41-837C-83C938183D29}"/>
               </a:ext>
             </a:extLst>
           </p:cNvPr>
@@ -5419,7 +5430,7 @@
           <p:cNvPr id="3" name="Content Placeholder 2">
             <a:extLst>
               <a:ext uri="{FF2B5EF4-FFF2-40B4-BE49-F238E27FC236}">
-                <a16:creationId xmlns:a16="http://schemas.microsoft.com/office/drawing/2014/main" xmlns="" id="{F3F2349E-5B0C-DE44-8CE1-77C14FC7025E}"/>
+                <a16:creationId xmlns:a16="http://schemas.microsoft.com/office/drawing/2014/main" id="{F3F2349E-5B0C-DE44-8CE1-77C14FC7025E}"/>
               </a:ext>
             </a:extLst>
           </p:cNvPr>
@@ -5481,7 +5492,7 @@
           <p:cNvPr id="4" name="Content Placeholder 3">
             <a:extLst>
               <a:ext uri="{FF2B5EF4-FFF2-40B4-BE49-F238E27FC236}">
-                <a16:creationId xmlns:a16="http://schemas.microsoft.com/office/drawing/2014/main" xmlns="" id="{4C2FBEBA-F2A8-E642-B0D7-3148F7AC1B57}"/>
+                <a16:creationId xmlns:a16="http://schemas.microsoft.com/office/drawing/2014/main" id="{4C2FBEBA-F2A8-E642-B0D7-3148F7AC1B57}"/>
               </a:ext>
             </a:extLst>
           </p:cNvPr>
@@ -5543,7 +5554,7 @@
           <p:cNvPr id="7" name="Slide Number Placeholder 6">
             <a:extLst>
               <a:ext uri="{FF2B5EF4-FFF2-40B4-BE49-F238E27FC236}">
-                <a16:creationId xmlns:a16="http://schemas.microsoft.com/office/drawing/2014/main" xmlns="" id="{FB759064-C295-474C-91BC-B8179C14C201}"/>
+                <a16:creationId xmlns:a16="http://schemas.microsoft.com/office/drawing/2014/main" id="{FB759064-C295-474C-91BC-B8179C14C201}"/>
               </a:ext>
             </a:extLst>
           </p:cNvPr>
@@ -5602,7 +5613,7 @@
           <p:cNvPr id="2" name="Title 1">
             <a:extLst>
               <a:ext uri="{FF2B5EF4-FFF2-40B4-BE49-F238E27FC236}">
-                <a16:creationId xmlns:a16="http://schemas.microsoft.com/office/drawing/2014/main" xmlns="" id="{97393B7B-D3EB-1942-9C5D-C2DBE70DCDDA}"/>
+                <a16:creationId xmlns:a16="http://schemas.microsoft.com/office/drawing/2014/main" id="{97393B7B-D3EB-1942-9C5D-C2DBE70DCDDA}"/>
               </a:ext>
             </a:extLst>
           </p:cNvPr>
@@ -5635,7 +5646,7 @@
           <p:cNvPr id="3" name="Text Placeholder 2">
             <a:extLst>
               <a:ext uri="{FF2B5EF4-FFF2-40B4-BE49-F238E27FC236}">
-                <a16:creationId xmlns:a16="http://schemas.microsoft.com/office/drawing/2014/main" xmlns="" id="{8D082C37-8144-2B40-B057-52B9B6778F1D}"/>
+                <a16:creationId xmlns:a16="http://schemas.microsoft.com/office/drawing/2014/main" id="{8D082C37-8144-2B40-B057-52B9B6778F1D}"/>
               </a:ext>
             </a:extLst>
           </p:cNvPr>
@@ -5706,7 +5717,7 @@
           <p:cNvPr id="4" name="Content Placeholder 3">
             <a:extLst>
               <a:ext uri="{FF2B5EF4-FFF2-40B4-BE49-F238E27FC236}">
-                <a16:creationId xmlns:a16="http://schemas.microsoft.com/office/drawing/2014/main" xmlns="" id="{F1AB8C75-2C38-424A-9A7A-65CB327C213B}"/>
+                <a16:creationId xmlns:a16="http://schemas.microsoft.com/office/drawing/2014/main" id="{F1AB8C75-2C38-424A-9A7A-65CB327C213B}"/>
               </a:ext>
             </a:extLst>
           </p:cNvPr>
@@ -5768,7 +5779,7 @@
           <p:cNvPr id="5" name="Text Placeholder 4">
             <a:extLst>
               <a:ext uri="{FF2B5EF4-FFF2-40B4-BE49-F238E27FC236}">
-                <a16:creationId xmlns:a16="http://schemas.microsoft.com/office/drawing/2014/main" xmlns="" id="{AEC54413-8A58-C54E-9133-45A1F00C5913}"/>
+                <a16:creationId xmlns:a16="http://schemas.microsoft.com/office/drawing/2014/main" id="{AEC54413-8A58-C54E-9133-45A1F00C5913}"/>
               </a:ext>
             </a:extLst>
           </p:cNvPr>
@@ -5839,7 +5850,7 @@
           <p:cNvPr id="6" name="Content Placeholder 5">
             <a:extLst>
               <a:ext uri="{FF2B5EF4-FFF2-40B4-BE49-F238E27FC236}">
-                <a16:creationId xmlns:a16="http://schemas.microsoft.com/office/drawing/2014/main" xmlns="" id="{4B0112E1-1E2D-724A-8EAC-CF4C8204D79E}"/>
+                <a16:creationId xmlns:a16="http://schemas.microsoft.com/office/drawing/2014/main" id="{4B0112E1-1E2D-724A-8EAC-CF4C8204D79E}"/>
               </a:ext>
             </a:extLst>
           </p:cNvPr>
@@ -5901,7 +5912,7 @@
           <p:cNvPr id="9" name="Slide Number Placeholder 8">
             <a:extLst>
               <a:ext uri="{FF2B5EF4-FFF2-40B4-BE49-F238E27FC236}">
-                <a16:creationId xmlns:a16="http://schemas.microsoft.com/office/drawing/2014/main" xmlns="" id="{B72AE139-D882-D94E-B377-D84A207665BF}"/>
+                <a16:creationId xmlns:a16="http://schemas.microsoft.com/office/drawing/2014/main" id="{B72AE139-D882-D94E-B377-D84A207665BF}"/>
               </a:ext>
             </a:extLst>
           </p:cNvPr>
@@ -5960,7 +5971,7 @@
           <p:cNvPr id="2" name="Title 1">
             <a:extLst>
               <a:ext uri="{FF2B5EF4-FFF2-40B4-BE49-F238E27FC236}">
-                <a16:creationId xmlns:a16="http://schemas.microsoft.com/office/drawing/2014/main" xmlns="" id="{8AC87EC2-76AA-FC42-982F-77406246A4AA}"/>
+                <a16:creationId xmlns:a16="http://schemas.microsoft.com/office/drawing/2014/main" id="{8AC87EC2-76AA-FC42-982F-77406246A4AA}"/>
               </a:ext>
             </a:extLst>
           </p:cNvPr>
@@ -5988,7 +5999,7 @@
           <p:cNvPr id="5" name="Slide Number Placeholder 4">
             <a:extLst>
               <a:ext uri="{FF2B5EF4-FFF2-40B4-BE49-F238E27FC236}">
-                <a16:creationId xmlns:a16="http://schemas.microsoft.com/office/drawing/2014/main" xmlns="" id="{81EC7837-FC7B-6043-8182-02D7718729CA}"/>
+                <a16:creationId xmlns:a16="http://schemas.microsoft.com/office/drawing/2014/main" id="{81EC7837-FC7B-6043-8182-02D7718729CA}"/>
               </a:ext>
             </a:extLst>
           </p:cNvPr>
@@ -6047,7 +6058,7 @@
           <p:cNvPr id="4" name="Slide Number Placeholder 3">
             <a:extLst>
               <a:ext uri="{FF2B5EF4-FFF2-40B4-BE49-F238E27FC236}">
-                <a16:creationId xmlns:a16="http://schemas.microsoft.com/office/drawing/2014/main" xmlns="" id="{D575A9DD-FA0A-D64B-B42E-72A4B0E3557A}"/>
+                <a16:creationId xmlns:a16="http://schemas.microsoft.com/office/drawing/2014/main" id="{D575A9DD-FA0A-D64B-B42E-72A4B0E3557A}"/>
               </a:ext>
             </a:extLst>
           </p:cNvPr>
@@ -6106,7 +6117,7 @@
           <p:cNvPr id="2" name="Title 1">
             <a:extLst>
               <a:ext uri="{FF2B5EF4-FFF2-40B4-BE49-F238E27FC236}">
-                <a16:creationId xmlns:a16="http://schemas.microsoft.com/office/drawing/2014/main" xmlns="" id="{F19ECD1F-576B-CE49-B87E-5BC99EC04635}"/>
+                <a16:creationId xmlns:a16="http://schemas.microsoft.com/office/drawing/2014/main" id="{F19ECD1F-576B-CE49-B87E-5BC99EC04635}"/>
               </a:ext>
             </a:extLst>
           </p:cNvPr>
@@ -6143,7 +6154,7 @@
           <p:cNvPr id="3" name="Content Placeholder 2">
             <a:extLst>
               <a:ext uri="{FF2B5EF4-FFF2-40B4-BE49-F238E27FC236}">
-                <a16:creationId xmlns:a16="http://schemas.microsoft.com/office/drawing/2014/main" xmlns="" id="{642276B3-FB76-F847-A4BA-C9B293389B44}"/>
+                <a16:creationId xmlns:a16="http://schemas.microsoft.com/office/drawing/2014/main" id="{642276B3-FB76-F847-A4BA-C9B293389B44}"/>
               </a:ext>
             </a:extLst>
           </p:cNvPr>
@@ -6233,7 +6244,7 @@
           <p:cNvPr id="4" name="Text Placeholder 3">
             <a:extLst>
               <a:ext uri="{FF2B5EF4-FFF2-40B4-BE49-F238E27FC236}">
-                <a16:creationId xmlns:a16="http://schemas.microsoft.com/office/drawing/2014/main" xmlns="" id="{F63103DB-251E-7F47-A645-0FDAFF6E6E0B}"/>
+                <a16:creationId xmlns:a16="http://schemas.microsoft.com/office/drawing/2014/main" id="{F63103DB-251E-7F47-A645-0FDAFF6E6E0B}"/>
               </a:ext>
             </a:extLst>
           </p:cNvPr>
@@ -6304,7 +6315,7 @@
           <p:cNvPr id="7" name="Slide Number Placeholder 6">
             <a:extLst>
               <a:ext uri="{FF2B5EF4-FFF2-40B4-BE49-F238E27FC236}">
-                <a16:creationId xmlns:a16="http://schemas.microsoft.com/office/drawing/2014/main" xmlns="" id="{3BCAFAD0-D61F-3F4F-8E0D-9A64CA7C4640}"/>
+                <a16:creationId xmlns:a16="http://schemas.microsoft.com/office/drawing/2014/main" id="{3BCAFAD0-D61F-3F4F-8E0D-9A64CA7C4640}"/>
               </a:ext>
             </a:extLst>
           </p:cNvPr>
@@ -6363,7 +6374,7 @@
           <p:cNvPr id="2" name="Title 1">
             <a:extLst>
               <a:ext uri="{FF2B5EF4-FFF2-40B4-BE49-F238E27FC236}">
-                <a16:creationId xmlns:a16="http://schemas.microsoft.com/office/drawing/2014/main" xmlns="" id="{F7FBD490-1952-7643-90D4-C4F4ABC93F16}"/>
+                <a16:creationId xmlns:a16="http://schemas.microsoft.com/office/drawing/2014/main" id="{F7FBD490-1952-7643-90D4-C4F4ABC93F16}"/>
               </a:ext>
             </a:extLst>
           </p:cNvPr>
@@ -6400,7 +6411,7 @@
           <p:cNvPr id="3" name="Picture Placeholder 2">
             <a:extLst>
               <a:ext uri="{FF2B5EF4-FFF2-40B4-BE49-F238E27FC236}">
-                <a16:creationId xmlns:a16="http://schemas.microsoft.com/office/drawing/2014/main" xmlns="" id="{FF02CD42-FD12-614D-A8C6-FBB652E2B9C4}"/>
+                <a16:creationId xmlns:a16="http://schemas.microsoft.com/office/drawing/2014/main" id="{FF02CD42-FD12-614D-A8C6-FBB652E2B9C4}"/>
               </a:ext>
             </a:extLst>
           </p:cNvPr>
@@ -6467,7 +6478,7 @@
           <p:cNvPr id="4" name="Text Placeholder 3">
             <a:extLst>
               <a:ext uri="{FF2B5EF4-FFF2-40B4-BE49-F238E27FC236}">
-                <a16:creationId xmlns:a16="http://schemas.microsoft.com/office/drawing/2014/main" xmlns="" id="{A26E1892-E1D1-5447-8C1E-BFD3993A1D59}"/>
+                <a16:creationId xmlns:a16="http://schemas.microsoft.com/office/drawing/2014/main" id="{A26E1892-E1D1-5447-8C1E-BFD3993A1D59}"/>
               </a:ext>
             </a:extLst>
           </p:cNvPr>
@@ -6538,7 +6549,7 @@
           <p:cNvPr id="7" name="Slide Number Placeholder 6">
             <a:extLst>
               <a:ext uri="{FF2B5EF4-FFF2-40B4-BE49-F238E27FC236}">
-                <a16:creationId xmlns:a16="http://schemas.microsoft.com/office/drawing/2014/main" xmlns="" id="{7E12F28C-AB7A-EF4C-84CD-F4B5CE4282E4}"/>
+                <a16:creationId xmlns:a16="http://schemas.microsoft.com/office/drawing/2014/main" id="{7E12F28C-AB7A-EF4C-84CD-F4B5CE4282E4}"/>
               </a:ext>
             </a:extLst>
           </p:cNvPr>
@@ -6602,7 +6613,7 @@
           <p:cNvPr id="2" name="Title Placeholder 1">
             <a:extLst>
               <a:ext uri="{FF2B5EF4-FFF2-40B4-BE49-F238E27FC236}">
-                <a16:creationId xmlns:a16="http://schemas.microsoft.com/office/drawing/2014/main" xmlns="" id="{F89B2312-714B-3946-B9BF-1C7B2035B2F5}"/>
+                <a16:creationId xmlns:a16="http://schemas.microsoft.com/office/drawing/2014/main" id="{F89B2312-714B-3946-B9BF-1C7B2035B2F5}"/>
               </a:ext>
             </a:extLst>
           </p:cNvPr>
@@ -6640,7 +6651,7 @@
           <p:cNvPr id="3" name="Text Placeholder 2">
             <a:extLst>
               <a:ext uri="{FF2B5EF4-FFF2-40B4-BE49-F238E27FC236}">
-                <a16:creationId xmlns:a16="http://schemas.microsoft.com/office/drawing/2014/main" xmlns="" id="{217A4718-D341-5E48-B2F9-56FD8E3EE1C9}"/>
+                <a16:creationId xmlns:a16="http://schemas.microsoft.com/office/drawing/2014/main" id="{217A4718-D341-5E48-B2F9-56FD8E3EE1C9}"/>
               </a:ext>
             </a:extLst>
           </p:cNvPr>
@@ -6707,7 +6718,7 @@
           <p:cNvPr id="6" name="Slide Number Placeholder 5">
             <a:extLst>
               <a:ext uri="{FF2B5EF4-FFF2-40B4-BE49-F238E27FC236}">
-                <a16:creationId xmlns:a16="http://schemas.microsoft.com/office/drawing/2014/main" xmlns="" id="{7F50DDCB-DB12-4B4D-B2A3-DF7E27851109}"/>
+                <a16:creationId xmlns:a16="http://schemas.microsoft.com/office/drawing/2014/main" id="{7F50DDCB-DB12-4B4D-B2A3-DF7E27851109}"/>
               </a:ext>
             </a:extLst>
           </p:cNvPr>
@@ -6754,7 +6765,7 @@
           <p:cNvPr id="9" name="Slide Number Placeholder 5">
             <a:extLst>
               <a:ext uri="{FF2B5EF4-FFF2-40B4-BE49-F238E27FC236}">
-                <a16:creationId xmlns:a16="http://schemas.microsoft.com/office/drawing/2014/main" xmlns="" id="{ABB045D2-645B-C646-BB72-F8DE27472BD5}"/>
+                <a16:creationId xmlns:a16="http://schemas.microsoft.com/office/drawing/2014/main" id="{ABB045D2-645B-C646-BB72-F8DE27472BD5}"/>
               </a:ext>
             </a:extLst>
           </p:cNvPr>
@@ -6893,7 +6904,7 @@
           <p:cNvPr id="10" name="Rectangle 9">
             <a:extLst>
               <a:ext uri="{FF2B5EF4-FFF2-40B4-BE49-F238E27FC236}">
-                <a16:creationId xmlns:a16="http://schemas.microsoft.com/office/drawing/2014/main" xmlns="" id="{715CF350-BF31-8549-8FA5-338ED87D9F31}"/>
+                <a16:creationId xmlns:a16="http://schemas.microsoft.com/office/drawing/2014/main" id="{715CF350-BF31-8549-8FA5-338ED87D9F31}"/>
               </a:ext>
             </a:extLst>
           </p:cNvPr>
@@ -6953,7 +6964,7 @@
           <p:cNvPr id="11" name="TextBox 10">
             <a:extLst>
               <a:ext uri="{FF2B5EF4-FFF2-40B4-BE49-F238E27FC236}">
-                <a16:creationId xmlns:a16="http://schemas.microsoft.com/office/drawing/2014/main" xmlns="" id="{2CE4FBA7-EA83-4B4B-A7C6-F0F5766917AC}"/>
+                <a16:creationId xmlns:a16="http://schemas.microsoft.com/office/drawing/2014/main" id="{2CE4FBA7-EA83-4B4B-A7C6-F0F5766917AC}"/>
               </a:ext>
             </a:extLst>
           </p:cNvPr>
@@ -6976,14 +6987,14 @@
           </a:ln>
           <a:extLst>
             <a:ext uri="{909E8E84-426E-40dd-AFC4-6F175D3DCCD1}">
-              <a14:hiddenFill xmlns:a14="http://schemas.microsoft.com/office/drawing/2010/main">
+              <a14:hiddenFill xmlns:a14="http://schemas.microsoft.com/office/drawing/2010/main" xmlns="">
                 <a:solidFill>
                   <a:srgbClr val="FFFFFF"/>
                 </a:solidFill>
               </a14:hiddenFill>
             </a:ext>
             <a:ext uri="{91240B29-F687-4f45-9708-019B960494DF}">
-              <a14:hiddenLine xmlns:a14="http://schemas.microsoft.com/office/drawing/2010/main" w="9525">
+              <a14:hiddenLine xmlns:a14="http://schemas.microsoft.com/office/drawing/2010/main" xmlns="" w="9525">
                 <a:solidFill>
                   <a:srgbClr val="000000"/>
                 </a:solidFill>
@@ -7118,25 +7129,8 @@
                 <a:latin typeface="Calibri" charset="0"/>
                 <a:cs typeface="Calibri" charset="0"/>
               </a:rPr>
-              <a:t>Module </a:t>
-            </a:r>
-            <a:r>
-              <a:rPr lang="en-US" sz="2000" b="1" dirty="0" smtClean="0">
-                <a:solidFill>
-                  <a:schemeClr val="bg1"/>
-                </a:solidFill>
-                <a:latin typeface="Calibri" charset="0"/>
-                <a:cs typeface="Calibri" charset="0"/>
-              </a:rPr>
-              <a:t>7</a:t>
-            </a:r>
-            <a:endParaRPr lang="en-US" sz="2000" b="1" dirty="0">
-              <a:solidFill>
-                <a:schemeClr val="bg1"/>
-              </a:solidFill>
-              <a:latin typeface="Calibri" charset="0"/>
-              <a:cs typeface="Calibri" charset="0"/>
-            </a:endParaRPr>
+              <a:t>Module 7</a:t>
+            </a:r>
           </a:p>
         </p:txBody>
       </p:sp>
@@ -7145,7 +7139,7 @@
           <p:cNvPr id="12" name="TextBox 11">
             <a:extLst>
               <a:ext uri="{FF2B5EF4-FFF2-40B4-BE49-F238E27FC236}">
-                <a16:creationId xmlns:a16="http://schemas.microsoft.com/office/drawing/2014/main" xmlns="" id="{8EB12434-FD9E-4242-B813-5136B9D05A8A}"/>
+                <a16:creationId xmlns:a16="http://schemas.microsoft.com/office/drawing/2014/main" id="{8EB12434-FD9E-4242-B813-5136B9D05A8A}"/>
               </a:ext>
             </a:extLst>
           </p:cNvPr>
@@ -7628,7 +7622,7 @@
           <p:cNvPr id="4" name="Rectangle 2">
             <a:extLst>
               <a:ext uri="{FF2B5EF4-FFF2-40B4-BE49-F238E27FC236}">
-                <a16:creationId xmlns:a16="http://schemas.microsoft.com/office/drawing/2014/main" xmlns="" id="{3951701B-699C-D042-8C4F-2B7A911EC7B7}"/>
+                <a16:creationId xmlns:a16="http://schemas.microsoft.com/office/drawing/2014/main" id="{3951701B-699C-D042-8C4F-2B7A911EC7B7}"/>
               </a:ext>
             </a:extLst>
           </p:cNvPr>
@@ -7689,7 +7683,7 @@
           <p:cNvPr id="5" name="Rectangle 3">
             <a:extLst>
               <a:ext uri="{FF2B5EF4-FFF2-40B4-BE49-F238E27FC236}">
-                <a16:creationId xmlns:a16="http://schemas.microsoft.com/office/drawing/2014/main" xmlns="" id="{F9B358B9-3A44-4642-B0D6-A899FE00280C}"/>
+                <a16:creationId xmlns:a16="http://schemas.microsoft.com/office/drawing/2014/main" id="{F9B358B9-3A44-4642-B0D6-A899FE00280C}"/>
               </a:ext>
             </a:extLst>
           </p:cNvPr>
@@ -7916,7 +7910,7 @@
           <p:cNvPr id="6" name="Picture 5">
             <a:extLst>
               <a:ext uri="{FF2B5EF4-FFF2-40B4-BE49-F238E27FC236}">
-                <a16:creationId xmlns:a16="http://schemas.microsoft.com/office/drawing/2014/main" xmlns="" id="{7E3CC30E-EF41-4A4B-AD78-53A11C3D8B87}"/>
+                <a16:creationId xmlns:a16="http://schemas.microsoft.com/office/drawing/2014/main" id="{7E3CC30E-EF41-4A4B-AD78-53A11C3D8B87}"/>
               </a:ext>
             </a:extLst>
           </p:cNvPr>
@@ -8434,14 +8428,14 @@
           </a:ln>
           <a:extLst>
             <a:ext uri="{909E8E84-426E-40dd-AFC4-6F175D3DCCD1}">
-              <a14:hiddenFill xmlns:a14="http://schemas.microsoft.com/office/drawing/2010/main">
+              <a14:hiddenFill xmlns:a14="http://schemas.microsoft.com/office/drawing/2010/main" xmlns="">
                 <a:solidFill>
                   <a:srgbClr val="FFFFFF"/>
                 </a:solidFill>
               </a14:hiddenFill>
             </a:ext>
             <a:ext uri="{91240B29-F687-4f45-9708-019B960494DF}">
-              <a14:hiddenLine xmlns:a14="http://schemas.microsoft.com/office/drawing/2010/main" w="9525">
+              <a14:hiddenLine xmlns:a14="http://schemas.microsoft.com/office/drawing/2010/main" xmlns="" w="9525">
                 <a:solidFill>
                   <a:srgbClr val="000000"/>
                 </a:solidFill>
@@ -8488,14 +8482,14 @@
           </a:ln>
           <a:extLst>
             <a:ext uri="{909E8E84-426E-40dd-AFC4-6F175D3DCCD1}">
-              <a14:hiddenFill xmlns:a14="http://schemas.microsoft.com/office/drawing/2010/main">
+              <a14:hiddenFill xmlns:a14="http://schemas.microsoft.com/office/drawing/2010/main" xmlns="">
                 <a:solidFill>
                   <a:srgbClr val="FFFFFF"/>
                 </a:solidFill>
               </a14:hiddenFill>
             </a:ext>
             <a:ext uri="{91240B29-F687-4f45-9708-019B960494DF}">
-              <a14:hiddenLine xmlns:a14="http://schemas.microsoft.com/office/drawing/2010/main" w="9525">
+              <a14:hiddenLine xmlns:a14="http://schemas.microsoft.com/office/drawing/2010/main" xmlns="" w="9525">
                 <a:solidFill>
                   <a:srgbClr val="000000"/>
                 </a:solidFill>
@@ -8529,14 +8523,14 @@
           </a:ln>
           <a:extLst>
             <a:ext uri="{909E8E84-426E-40dd-AFC4-6F175D3DCCD1}">
-              <a14:hiddenFill xmlns:a14="http://schemas.microsoft.com/office/drawing/2010/main">
+              <a14:hiddenFill xmlns:a14="http://schemas.microsoft.com/office/drawing/2010/main" xmlns="">
                 <a:solidFill>
                   <a:srgbClr val="FFFFFF"/>
                 </a:solidFill>
               </a14:hiddenFill>
             </a:ext>
             <a:ext uri="{91240B29-F687-4f45-9708-019B960494DF}">
-              <a14:hiddenLine xmlns:a14="http://schemas.microsoft.com/office/drawing/2010/main" w="9525">
+              <a14:hiddenLine xmlns:a14="http://schemas.microsoft.com/office/drawing/2010/main" xmlns="" w="9525">
                 <a:solidFill>
                   <a:srgbClr val="000000"/>
                 </a:solidFill>
@@ -8690,14 +8684,14 @@
           </a:ln>
           <a:extLst>
             <a:ext uri="{909E8E84-426E-40dd-AFC4-6F175D3DCCD1}">
-              <a14:hiddenFill xmlns:a14="http://schemas.microsoft.com/office/drawing/2010/main">
+              <a14:hiddenFill xmlns:a14="http://schemas.microsoft.com/office/drawing/2010/main" xmlns="">
                 <a:solidFill>
                   <a:srgbClr val="FFFFFF"/>
                 </a:solidFill>
               </a14:hiddenFill>
             </a:ext>
             <a:ext uri="{91240B29-F687-4f45-9708-019B960494DF}">
-              <a14:hiddenLine xmlns:a14="http://schemas.microsoft.com/office/drawing/2010/main" w="9525">
+              <a14:hiddenLine xmlns:a14="http://schemas.microsoft.com/office/drawing/2010/main" xmlns="" w="9525">
                 <a:solidFill>
                   <a:srgbClr val="000000"/>
                 </a:solidFill>
@@ -9796,14 +9790,14 @@
           </a:ln>
           <a:extLst>
             <a:ext uri="{909E8E84-426E-40dd-AFC4-6F175D3DCCD1}">
-              <a14:hiddenFill xmlns:a14="http://schemas.microsoft.com/office/drawing/2010/main">
+              <a14:hiddenFill xmlns:a14="http://schemas.microsoft.com/office/drawing/2010/main" xmlns="">
                 <a:solidFill>
                   <a:srgbClr val="FFFFFF"/>
                 </a:solidFill>
               </a14:hiddenFill>
             </a:ext>
             <a:ext uri="{91240B29-F687-4f45-9708-019B960494DF}">
-              <a14:hiddenLine xmlns:a14="http://schemas.microsoft.com/office/drawing/2010/main" w="9525">
+              <a14:hiddenLine xmlns:a14="http://schemas.microsoft.com/office/drawing/2010/main" xmlns="" w="9525">
                 <a:solidFill>
                   <a:srgbClr val="000000"/>
                 </a:solidFill>
@@ -10338,7 +10332,7 @@
           <p:cNvPr id="4" name="Content Placeholder 9" descr="Picture 1.png">
             <a:extLst>
               <a:ext uri="{FF2B5EF4-FFF2-40B4-BE49-F238E27FC236}">
-                <a16:creationId xmlns:a16="http://schemas.microsoft.com/office/drawing/2014/main" xmlns="" id="{548BE5EC-9575-1847-9F91-986B05624E52}"/>
+                <a16:creationId xmlns:a16="http://schemas.microsoft.com/office/drawing/2014/main" id="{548BE5EC-9575-1847-9F91-986B05624E52}"/>
               </a:ext>
             </a:extLst>
           </p:cNvPr>
@@ -11689,14 +11683,14 @@
           </a:ln>
           <a:extLst>
             <a:ext uri="{909E8E84-426E-40dd-AFC4-6F175D3DCCD1}">
-              <a14:hiddenFill xmlns:a14="http://schemas.microsoft.com/office/drawing/2010/main">
+              <a14:hiddenFill xmlns:a14="http://schemas.microsoft.com/office/drawing/2010/main" xmlns="">
                 <a:solidFill>
                   <a:srgbClr val="FFFFFF"/>
                 </a:solidFill>
               </a14:hiddenFill>
             </a:ext>
             <a:ext uri="{91240B29-F687-4f45-9708-019B960494DF}">
-              <a14:hiddenLine xmlns:a14="http://schemas.microsoft.com/office/drawing/2010/main" w="9525">
+              <a14:hiddenLine xmlns:a14="http://schemas.microsoft.com/office/drawing/2010/main" xmlns="" w="9525">
                 <a:solidFill>
                   <a:srgbClr val="000000"/>
                 </a:solidFill>
@@ -11825,6 +11819,224 @@
               <a:rPr lang="en-US" sz="1600" b="1" dirty="0"/>
               <a:t>Module 1</a:t>
             </a:r>
+          </a:p>
+        </p:txBody>
+      </p:sp>
+      <p:sp>
+        <p:nvSpPr>
+          <p:cNvPr id="5" name="TextBox 3">
+            <a:extLst>
+              <a:ext uri="{FF2B5EF4-FFF2-40B4-BE49-F238E27FC236}">
+                <a16:creationId xmlns:a16="http://schemas.microsoft.com/office/drawing/2014/main" id="{F24BBAC7-9491-1147-8BCD-4E3F548BEB7A}"/>
+              </a:ext>
+            </a:extLst>
+          </p:cNvPr>
+          <p:cNvSpPr txBox="1">
+            <a:spLocks noChangeArrowheads="1"/>
+          </p:cNvSpPr>
+          <p:nvPr/>
+        </p:nvSpPr>
+        <p:spPr bwMode="auto">
+          <a:xfrm>
+            <a:off x="3734587" y="5538788"/>
+            <a:ext cx="1074333" cy="338554"/>
+          </a:xfrm>
+          <a:prstGeom prst="rect">
+            <a:avLst/>
+          </a:prstGeom>
+          <a:solidFill>
+            <a:schemeClr val="bg1"/>
+          </a:solidFill>
+          <a:ln>
+            <a:noFill/>
+          </a:ln>
+          <a:extLst>
+            <a:ext uri="{909E8E84-426E-40dd-AFC4-6F175D3DCCD1}">
+              <a14:hiddenFill xmlns:a14="http://schemas.microsoft.com/office/drawing/2010/main" xmlns="">
+                <a:solidFill>
+                  <a:srgbClr val="FFFFFF"/>
+                </a:solidFill>
+              </a14:hiddenFill>
+            </a:ext>
+            <a:ext uri="{91240B29-F687-4f45-9708-019B960494DF}">
+              <a14:hiddenLine xmlns:a14="http://schemas.microsoft.com/office/drawing/2010/main" xmlns="" w="9525">
+                <a:solidFill>
+                  <a:srgbClr val="000000"/>
+                </a:solidFill>
+                <a:miter lim="800000"/>
+                <a:headEnd/>
+                <a:tailEnd/>
+              </a14:hiddenLine>
+            </a:ext>
+          </a:extLst>
+        </p:spPr>
+        <p:txBody>
+          <a:bodyPr wrap="none">
+            <a:spAutoFit/>
+          </a:bodyPr>
+          <a:lstStyle>
+            <a:lvl1pPr eaLnBrk="0" hangingPunct="0">
+              <a:defRPr sz="2400">
+                <a:solidFill>
+                  <a:schemeClr val="tx1"/>
+                </a:solidFill>
+                <a:latin typeface="Arial" charset="0"/>
+                <a:ea typeface="ＭＳ Ｐゴシック" charset="0"/>
+                <a:cs typeface="ＭＳ Ｐゴシック" charset="0"/>
+              </a:defRPr>
+            </a:lvl1pPr>
+            <a:lvl2pPr marL="742950" indent="-285750" eaLnBrk="0" hangingPunct="0">
+              <a:defRPr sz="2400">
+                <a:solidFill>
+                  <a:schemeClr val="tx1"/>
+                </a:solidFill>
+                <a:latin typeface="Arial" charset="0"/>
+                <a:ea typeface="ＭＳ Ｐゴシック" charset="0"/>
+              </a:defRPr>
+            </a:lvl2pPr>
+            <a:lvl3pPr marL="1143000" indent="-228600" eaLnBrk="0" hangingPunct="0">
+              <a:defRPr sz="2400">
+                <a:solidFill>
+                  <a:schemeClr val="tx1"/>
+                </a:solidFill>
+                <a:latin typeface="Arial" charset="0"/>
+                <a:ea typeface="ＭＳ Ｐゴシック" charset="0"/>
+              </a:defRPr>
+            </a:lvl3pPr>
+            <a:lvl4pPr marL="1600200" indent="-228600" eaLnBrk="0" hangingPunct="0">
+              <a:defRPr sz="2400">
+                <a:solidFill>
+                  <a:schemeClr val="tx1"/>
+                </a:solidFill>
+                <a:latin typeface="Arial" charset="0"/>
+                <a:ea typeface="ＭＳ Ｐゴシック" charset="0"/>
+              </a:defRPr>
+            </a:lvl4pPr>
+            <a:lvl5pPr marL="2057400" indent="-228600" eaLnBrk="0" hangingPunct="0">
+              <a:defRPr sz="2400">
+                <a:solidFill>
+                  <a:schemeClr val="tx1"/>
+                </a:solidFill>
+                <a:latin typeface="Arial" charset="0"/>
+                <a:ea typeface="ＭＳ Ｐゴシック" charset="0"/>
+              </a:defRPr>
+            </a:lvl5pPr>
+            <a:lvl6pPr marL="2514600" indent="-228600" eaLnBrk="0" fontAlgn="base" hangingPunct="0">
+              <a:spcBef>
+                <a:spcPct val="0"/>
+              </a:spcBef>
+              <a:spcAft>
+                <a:spcPct val="0"/>
+              </a:spcAft>
+              <a:defRPr sz="2400">
+                <a:solidFill>
+                  <a:schemeClr val="tx1"/>
+                </a:solidFill>
+                <a:latin typeface="Arial" charset="0"/>
+                <a:ea typeface="ＭＳ Ｐゴシック" charset="0"/>
+              </a:defRPr>
+            </a:lvl6pPr>
+            <a:lvl7pPr marL="2971800" indent="-228600" eaLnBrk="0" fontAlgn="base" hangingPunct="0">
+              <a:spcBef>
+                <a:spcPct val="0"/>
+              </a:spcBef>
+              <a:spcAft>
+                <a:spcPct val="0"/>
+              </a:spcAft>
+              <a:defRPr sz="2400">
+                <a:solidFill>
+                  <a:schemeClr val="tx1"/>
+                </a:solidFill>
+                <a:latin typeface="Arial" charset="0"/>
+                <a:ea typeface="ＭＳ Ｐゴシック" charset="0"/>
+              </a:defRPr>
+            </a:lvl7pPr>
+            <a:lvl8pPr marL="3429000" indent="-228600" eaLnBrk="0" fontAlgn="base" hangingPunct="0">
+              <a:spcBef>
+                <a:spcPct val="0"/>
+              </a:spcBef>
+              <a:spcAft>
+                <a:spcPct val="0"/>
+              </a:spcAft>
+              <a:defRPr sz="2400">
+                <a:solidFill>
+                  <a:schemeClr val="tx1"/>
+                </a:solidFill>
+                <a:latin typeface="Arial" charset="0"/>
+                <a:ea typeface="ＭＳ Ｐゴシック" charset="0"/>
+              </a:defRPr>
+            </a:lvl8pPr>
+            <a:lvl9pPr marL="3886200" indent="-228600" eaLnBrk="0" fontAlgn="base" hangingPunct="0">
+              <a:spcBef>
+                <a:spcPct val="0"/>
+              </a:spcBef>
+              <a:spcAft>
+                <a:spcPct val="0"/>
+              </a:spcAft>
+              <a:defRPr sz="2400">
+                <a:solidFill>
+                  <a:schemeClr val="tx1"/>
+                </a:solidFill>
+                <a:latin typeface="Arial" charset="0"/>
+                <a:ea typeface="ＭＳ Ｐゴシック" charset="0"/>
+              </a:defRPr>
+            </a:lvl9pPr>
+          </a:lstStyle>
+          <a:p>
+            <a:pPr marL="0" marR="0" lvl="0" indent="0" defTabSz="914400" eaLnBrk="1" fontAlgn="base" latinLnBrk="0" hangingPunct="1">
+              <a:lnSpc>
+                <a:spcPct val="100000"/>
+              </a:lnSpc>
+              <a:spcBef>
+                <a:spcPct val="0"/>
+              </a:spcBef>
+              <a:spcAft>
+                <a:spcPct val="0"/>
+              </a:spcAft>
+              <a:buClrTx/>
+              <a:buSzTx/>
+              <a:buFontTx/>
+              <a:buNone/>
+              <a:tabLst/>
+              <a:defRPr/>
+            </a:pPr>
+            <a:r>
+              <a:rPr kumimoji="0" lang="en-US" sz="1600" b="1" i="0" u="none" strike="noStrike" kern="0" cap="none" spc="0" normalizeH="0" baseline="0" noProof="0" dirty="0">
+                <a:ln>
+                  <a:noFill/>
+                </a:ln>
+                <a:solidFill>
+                  <a:prstClr val="black"/>
+                </a:solidFill>
+                <a:effectLst/>
+                <a:uLnTx/>
+                <a:uFillTx/>
+                <a:latin typeface="Arial" charset="0"/>
+                <a:ea typeface="ＭＳ Ｐゴシック" charset="0"/>
+              </a:rPr>
+              <a:t>Module </a:t>
+            </a:r>
+            <a:r>
+              <a:rPr lang="en-US" sz="1600" b="1" kern="0" dirty="0">
+                <a:solidFill>
+                  <a:prstClr val="black"/>
+                </a:solidFill>
+              </a:rPr>
+              <a:t>7</a:t>
+            </a:r>
+            <a:endParaRPr kumimoji="0" lang="en-US" sz="1600" b="1" i="0" u="none" strike="noStrike" kern="0" cap="none" spc="0" normalizeH="0" baseline="0" noProof="0" dirty="0">
+              <a:ln>
+                <a:noFill/>
+              </a:ln>
+              <a:solidFill>
+                <a:prstClr val="black"/>
+              </a:solidFill>
+              <a:effectLst/>
+              <a:uLnTx/>
+              <a:uFillTx/>
+              <a:latin typeface="Arial" charset="0"/>
+              <a:ea typeface="ＭＳ Ｐゴシック" charset="0"/>
+            </a:endParaRPr>
           </a:p>
         </p:txBody>
       </p:sp>
@@ -11863,7 +12075,7 @@
           <p:cNvPr id="2" name="Title 1">
             <a:extLst>
               <a:ext uri="{FF2B5EF4-FFF2-40B4-BE49-F238E27FC236}">
-                <a16:creationId xmlns:a16="http://schemas.microsoft.com/office/drawing/2014/main" xmlns="" id="{408509DF-310C-844E-B510-E149AF0C4383}"/>
+                <a16:creationId xmlns:a16="http://schemas.microsoft.com/office/drawing/2014/main" id="{408509DF-310C-844E-B510-E149AF0C4383}"/>
               </a:ext>
             </a:extLst>
           </p:cNvPr>
@@ -11897,7 +12109,7 @@
           <p:cNvPr id="3" name="TextBox 2">
             <a:extLst>
               <a:ext uri="{FF2B5EF4-FFF2-40B4-BE49-F238E27FC236}">
-                <a16:creationId xmlns:a16="http://schemas.microsoft.com/office/drawing/2014/main" xmlns="" id="{0E67D870-0FF0-0342-8E83-7A1E0F1B4F68}"/>
+                <a16:creationId xmlns:a16="http://schemas.microsoft.com/office/drawing/2014/main" id="{0E67D870-0FF0-0342-8E83-7A1E0F1B4F68}"/>
               </a:ext>
             </a:extLst>
           </p:cNvPr>
@@ -11933,7 +12145,7 @@
           <p:cNvPr id="7" name="Picture 6">
             <a:extLst>
               <a:ext uri="{FF2B5EF4-FFF2-40B4-BE49-F238E27FC236}">
-                <a16:creationId xmlns:a16="http://schemas.microsoft.com/office/drawing/2014/main" xmlns="" id="{B0667162-27CD-1B4A-8F6D-F70AAA233072}"/>
+                <a16:creationId xmlns:a16="http://schemas.microsoft.com/office/drawing/2014/main" id="{B0667162-27CD-1B4A-8F6D-F70AAA233072}"/>
               </a:ext>
             </a:extLst>
           </p:cNvPr>
@@ -11963,7 +12175,7 @@
           <p:cNvPr id="9" name="Picture 8">
             <a:extLst>
               <a:ext uri="{FF2B5EF4-FFF2-40B4-BE49-F238E27FC236}">
-                <a16:creationId xmlns:a16="http://schemas.microsoft.com/office/drawing/2014/main" xmlns="" id="{5CB5EA98-6E57-2F46-9C64-7CBBE9AEFE58}"/>
+                <a16:creationId xmlns:a16="http://schemas.microsoft.com/office/drawing/2014/main" id="{5CB5EA98-6E57-2F46-9C64-7CBBE9AEFE58}"/>
               </a:ext>
             </a:extLst>
           </p:cNvPr>
@@ -11993,7 +12205,7 @@
           <p:cNvPr id="8" name="Picture 7">
             <a:extLst>
               <a:ext uri="{FF2B5EF4-FFF2-40B4-BE49-F238E27FC236}">
-                <a16:creationId xmlns:a16="http://schemas.microsoft.com/office/drawing/2014/main" xmlns="" id="{B6925479-9C9D-1142-952B-7162613B091E}"/>
+                <a16:creationId xmlns:a16="http://schemas.microsoft.com/office/drawing/2014/main" id="{B6925479-9C9D-1142-952B-7162613B091E}"/>
               </a:ext>
             </a:extLst>
           </p:cNvPr>
@@ -12023,7 +12235,7 @@
           <p:cNvPr id="11" name="Picture 10">
             <a:extLst>
               <a:ext uri="{FF2B5EF4-FFF2-40B4-BE49-F238E27FC236}">
-                <a16:creationId xmlns:a16="http://schemas.microsoft.com/office/drawing/2014/main" xmlns="" id="{EA6F1A00-932A-624F-A50C-FB1B23DD58F8}"/>
+                <a16:creationId xmlns:a16="http://schemas.microsoft.com/office/drawing/2014/main" id="{EA6F1A00-932A-624F-A50C-FB1B23DD58F8}"/>
               </a:ext>
             </a:extLst>
           </p:cNvPr>
@@ -12083,7 +12295,7 @@
           <p:cNvPr id="2" name="Title 1">
             <a:extLst>
               <a:ext uri="{FF2B5EF4-FFF2-40B4-BE49-F238E27FC236}">
-                <a16:creationId xmlns:a16="http://schemas.microsoft.com/office/drawing/2014/main" xmlns="" id="{47807894-EFFE-CD45-AEFD-BFB62D406E86}"/>
+                <a16:creationId xmlns:a16="http://schemas.microsoft.com/office/drawing/2014/main" id="{47807894-EFFE-CD45-AEFD-BFB62D406E86}"/>
               </a:ext>
             </a:extLst>
           </p:cNvPr>
@@ -12135,27 +12347,7 @@
                 <a:latin typeface="Calibri" charset="0"/>
                 <a:cs typeface="Segoe UI" charset="0"/>
               </a:rPr>
-              <a:t> Module </a:t>
-            </a:r>
-            <a:r>
-              <a:rPr lang="en-US" sz="3600" dirty="0" smtClean="0">
-                <a:solidFill>
-                  <a:schemeClr val="bg1"/>
-                </a:solidFill>
-                <a:latin typeface="Calibri" charset="0"/>
-                <a:cs typeface="Segoe UI" charset="0"/>
-              </a:rPr>
-              <a:t>7</a:t>
-            </a:r>
-            <a:r>
-              <a:rPr lang="en-US" sz="3600" dirty="0">
-                <a:solidFill>
-                  <a:schemeClr val="bg1"/>
-                </a:solidFill>
-                <a:latin typeface="Calibri" charset="0"/>
-                <a:cs typeface="Segoe UI" charset="0"/>
-              </a:rPr>
-              <a:t/>
+              <a:t> Module 7</a:t>
             </a:r>
             <a:br>
               <a:rPr lang="en-US" sz="3600" dirty="0">
@@ -12189,7 +12381,7 @@
           <p:cNvPr id="3" name="Subtitle 2">
             <a:extLst>
               <a:ext uri="{FF2B5EF4-FFF2-40B4-BE49-F238E27FC236}">
-                <a16:creationId xmlns:a16="http://schemas.microsoft.com/office/drawing/2014/main" xmlns="" id="{6E120BC9-7354-2449-9237-C9C284B728D9}"/>
+                <a16:creationId xmlns:a16="http://schemas.microsoft.com/office/drawing/2014/main" id="{6E120BC9-7354-2449-9237-C9C284B728D9}"/>
               </a:ext>
             </a:extLst>
           </p:cNvPr>
@@ -12262,7 +12454,7 @@
           <p:cNvPr id="5" name="TextBox 4">
             <a:extLst>
               <a:ext uri="{FF2B5EF4-FFF2-40B4-BE49-F238E27FC236}">
-                <a16:creationId xmlns:a16="http://schemas.microsoft.com/office/drawing/2014/main" xmlns="" id="{11B4D090-3D05-0D43-847B-63C2AA7B1C1E}"/>
+                <a16:creationId xmlns:a16="http://schemas.microsoft.com/office/drawing/2014/main" id="{11B4D090-3D05-0D43-847B-63C2AA7B1C1E}"/>
               </a:ext>
             </a:extLst>
           </p:cNvPr>
@@ -12297,7 +12489,7 @@
           <p:cNvPr id="8" name="Picture 7">
             <a:extLst>
               <a:ext uri="{FF2B5EF4-FFF2-40B4-BE49-F238E27FC236}">
-                <a16:creationId xmlns:a16="http://schemas.microsoft.com/office/drawing/2014/main" xmlns="" id="{B1FD4585-05BC-264C-9D0B-8CF2936028AB}"/>
+                <a16:creationId xmlns:a16="http://schemas.microsoft.com/office/drawing/2014/main" id="{B1FD4585-05BC-264C-9D0B-8CF2936028AB}"/>
               </a:ext>
             </a:extLst>
           </p:cNvPr>
@@ -12327,7 +12519,7 @@
           <p:cNvPr id="7" name="Picture 4" descr="TGI_logo_V_2color_bevel.tiff">
             <a:extLst>
               <a:ext uri="{FF2B5EF4-FFF2-40B4-BE49-F238E27FC236}">
-                <a16:creationId xmlns:a16="http://schemas.microsoft.com/office/drawing/2014/main" xmlns="" id="{84BDF983-CFFE-2749-98DE-709A1233B564}"/>
+                <a16:creationId xmlns:a16="http://schemas.microsoft.com/office/drawing/2014/main" id="{84BDF983-CFFE-2749-98DE-709A1233B564}"/>
               </a:ext>
             </a:extLst>
           </p:cNvPr>
@@ -12363,14 +12555,14 @@
           </a:ln>
           <a:extLst>
             <a:ext uri="{909E8E84-426E-40dd-AFC4-6F175D3DCCD1}">
-              <a14:hiddenFill xmlns:a14="http://schemas.microsoft.com/office/drawing/2010/main">
+              <a14:hiddenFill xmlns:a14="http://schemas.microsoft.com/office/drawing/2010/main" xmlns="">
                 <a:solidFill>
                   <a:srgbClr val="FFFFFF"/>
                 </a:solidFill>
               </a14:hiddenFill>
             </a:ext>
             <a:ext uri="{91240B29-F687-4f45-9708-019B960494DF}">
-              <a14:hiddenLine xmlns:a14="http://schemas.microsoft.com/office/drawing/2010/main" w="9525">
+              <a14:hiddenLine xmlns:a14="http://schemas.microsoft.com/office/drawing/2010/main" xmlns="" w="9525">
                 <a:solidFill>
                   <a:srgbClr val="000000"/>
                 </a:solidFill>
@@ -12470,15 +12662,7 @@
             </a:pPr>
             <a:r>
               <a:rPr lang="en-US" b="1" dirty="0"/>
-              <a:t>Module </a:t>
-            </a:r>
-            <a:r>
-              <a:rPr lang="en-US" b="1" dirty="0" smtClean="0"/>
-              <a:t>7: </a:t>
-            </a:r>
-            <a:r>
-              <a:rPr lang="en-US" b="1" dirty="0"/>
-              <a:t>Introduction to RNA Sequencing</a:t>
+              <a:t>Module 7: Introduction to RNA Sequencing</a:t>
             </a:r>
           </a:p>
           <a:p>
@@ -12487,15 +12671,7 @@
             </a:pPr>
             <a:r>
               <a:rPr lang="en-US" dirty="0"/>
-              <a:t>Module </a:t>
-            </a:r>
-            <a:r>
-              <a:rPr lang="en-US" dirty="0" smtClean="0"/>
-              <a:t>8: </a:t>
-            </a:r>
-            <a:r>
-              <a:rPr lang="en-US" dirty="0"/>
-              <a:t>Alignment and Visualization</a:t>
+              <a:t>Module 8: Alignment and Visualization</a:t>
             </a:r>
           </a:p>
           <a:p>
@@ -12504,15 +12680,7 @@
             </a:pPr>
             <a:r>
               <a:rPr lang="en-US" dirty="0"/>
-              <a:t>Module </a:t>
-            </a:r>
-            <a:r>
-              <a:rPr lang="en-US" dirty="0" smtClean="0"/>
-              <a:t>9: </a:t>
-            </a:r>
-            <a:r>
-              <a:rPr lang="en-US" dirty="0"/>
-              <a:t>Expression and Differential Expression</a:t>
+              <a:t>Module 9: Expression and Differential Expression</a:t>
             </a:r>
           </a:p>
           <a:p>
@@ -12521,15 +12689,7 @@
             </a:pPr>
             <a:r>
               <a:rPr lang="en-US" dirty="0"/>
-              <a:t>Module </a:t>
-            </a:r>
-            <a:r>
-              <a:rPr lang="en-US" dirty="0" smtClean="0"/>
-              <a:t>10: </a:t>
-            </a:r>
-            <a:r>
-              <a:rPr lang="en-US" dirty="0"/>
-              <a:t>Alignment Free Expression Estimation</a:t>
+              <a:t>Module 10: Alignment Free Expression Estimation</a:t>
             </a:r>
           </a:p>
           <a:p>
@@ -12538,15 +12698,7 @@
             </a:pPr>
             <a:r>
               <a:rPr lang="en-US" dirty="0"/>
-              <a:t>Module </a:t>
-            </a:r>
-            <a:r>
-              <a:rPr lang="en-US" dirty="0" smtClean="0"/>
-              <a:t>11: </a:t>
-            </a:r>
-            <a:r>
-              <a:rPr lang="en-US" dirty="0"/>
-              <a:t>Isoform Discovery and Alternative Expression</a:t>
+              <a:t>Module 11: Isoform Discovery and Alternative Expression</a:t>
             </a:r>
           </a:p>
           <a:p>
@@ -12701,19 +12853,8 @@
                 <a:latin typeface="Calibri" charset="0"/>
                 <a:ea typeface="ＭＳ Ｐゴシック" charset="0"/>
               </a:rPr>
-              <a:t>Learning objectives of module </a:t>
-            </a:r>
-            <a:r>
-              <a:rPr lang="en-US" b="1" dirty="0" smtClean="0">
-                <a:latin typeface="Calibri" charset="0"/>
-                <a:ea typeface="ＭＳ Ｐゴシック" charset="0"/>
-              </a:rPr>
-              <a:t>7</a:t>
-            </a:r>
-            <a:endParaRPr lang="en-US" b="1" dirty="0">
-              <a:latin typeface="Calibri" charset="0"/>
-              <a:ea typeface="ＭＳ Ｐゴシック" charset="0"/>
-            </a:endParaRPr>
+              <a:t>Learning objectives of module 7</a:t>
+            </a:r>
           </a:p>
         </p:txBody>
       </p:sp>
@@ -13620,7 +13761,7 @@
   <a:extraClrSchemeLst/>
   <a:extLst>
     <a:ext uri="{05A4C25C-085E-4340-85A3-A5531E510DB2}">
-      <thm15:themeFamily xmlns:thm15="http://schemas.microsoft.com/office/thememl/2012/main" xmlns="" name="Office Theme" id="{62F939B6-93AF-4DB8-9C6B-D6C7DFDC589F}" vid="{4A3C46E8-61CC-4603-A589-7422A47A8E4A}"/>
+      <thm15:themeFamily xmlns:thm15="http://schemas.microsoft.com/office/thememl/2012/main" name="Office Theme" id="{62F939B6-93AF-4DB8-9C6B-D6C7DFDC589F}" vid="{4A3C46E8-61CC-4603-A589-7422A47A8E4A}"/>
     </a:ext>
   </a:extLst>
 </a:theme>
@@ -13915,7 +14056,7 @@
   <a:extraClrSchemeLst/>
   <a:extLst>
     <a:ext uri="{05A4C25C-085E-4340-85A3-A5531E510DB2}">
-      <thm15:themeFamily xmlns:thm15="http://schemas.microsoft.com/office/thememl/2012/main" xmlns="" name="Office Theme" id="{62F939B6-93AF-4DB8-9C6B-D6C7DFDC589F}" vid="{4A3C46E8-61CC-4603-A589-7422A47A8E4A}"/>
+      <thm15:themeFamily xmlns:thm15="http://schemas.microsoft.com/office/thememl/2012/main" name="Office Theme" id="{62F939B6-93AF-4DB8-9C6B-D6C7DFDC589F}" vid="{4A3C46E8-61CC-4603-A589-7422A47A8E4A}"/>
     </a:ext>
   </a:extLst>
 </a:theme>
